--- a/docs/diagrams/UiComponentClassDiagram.pptx
+++ b/docs/diagrams/UiComponentClassDiagram.pptx
@@ -5,10 +5,11 @@
     <p:sldMasterId id="2147483648" r:id="rId1"/>
   </p:sldMasterIdLst>
   <p:notesMasterIdLst>
-    <p:notesMasterId r:id="rId3"/>
+    <p:notesMasterId r:id="rId4"/>
   </p:notesMasterIdLst>
   <p:sldIdLst>
     <p:sldId id="260" r:id="rId2"/>
+    <p:sldId id="261" r:id="rId3"/>
   </p:sldIdLst>
   <p:sldSz cx="9144000" cy="6858000" type="screen4x3"/>
   <p:notesSz cx="6858000" cy="9144000"/>
@@ -208,7 +209,7 @@
           <a:p>
             <a:fld id="{F5CC4B3F-88C1-4FFA-B1B6-F41C21DC6924}" type="datetimeFigureOut">
               <a:rPr lang="en-US" smtClean="0"/>
-              <a:t>1/7/2017</a:t>
+              <a:t>11/12/2018</a:t>
             </a:fld>
             <a:endParaRPr lang="en-US"/>
           </a:p>
@@ -654,7 +655,7 @@
           <a:p>
             <a:fld id="{78C97017-6FC3-485B-9764-EAC9E56C1D49}" type="datetimeFigureOut">
               <a:rPr lang="en-US" smtClean="0"/>
-              <a:t>1/7/2017</a:t>
+              <a:t>11/12/2018</a:t>
             </a:fld>
             <a:endParaRPr lang="en-US"/>
           </a:p>
@@ -822,7 +823,7 @@
           <a:p>
             <a:fld id="{78C97017-6FC3-485B-9764-EAC9E56C1D49}" type="datetimeFigureOut">
               <a:rPr lang="en-US" smtClean="0"/>
-              <a:t>1/7/2017</a:t>
+              <a:t>11/12/2018</a:t>
             </a:fld>
             <a:endParaRPr lang="en-US"/>
           </a:p>
@@ -1000,7 +1001,7 @@
           <a:p>
             <a:fld id="{78C97017-6FC3-485B-9764-EAC9E56C1D49}" type="datetimeFigureOut">
               <a:rPr lang="en-US" smtClean="0"/>
-              <a:t>1/7/2017</a:t>
+              <a:t>11/12/2018</a:t>
             </a:fld>
             <a:endParaRPr lang="en-US"/>
           </a:p>
@@ -1168,7 +1169,7 @@
           <a:p>
             <a:fld id="{78C97017-6FC3-485B-9764-EAC9E56C1D49}" type="datetimeFigureOut">
               <a:rPr lang="en-US" smtClean="0"/>
-              <a:t>1/7/2017</a:t>
+              <a:t>11/12/2018</a:t>
             </a:fld>
             <a:endParaRPr lang="en-US"/>
           </a:p>
@@ -1413,7 +1414,7 @@
           <a:p>
             <a:fld id="{78C97017-6FC3-485B-9764-EAC9E56C1D49}" type="datetimeFigureOut">
               <a:rPr lang="en-US" smtClean="0"/>
-              <a:t>1/7/2017</a:t>
+              <a:t>11/12/2018</a:t>
             </a:fld>
             <a:endParaRPr lang="en-US"/>
           </a:p>
@@ -1698,7 +1699,7 @@
           <a:p>
             <a:fld id="{78C97017-6FC3-485B-9764-EAC9E56C1D49}" type="datetimeFigureOut">
               <a:rPr lang="en-US" smtClean="0"/>
-              <a:t>1/7/2017</a:t>
+              <a:t>11/12/2018</a:t>
             </a:fld>
             <a:endParaRPr lang="en-US"/>
           </a:p>
@@ -2117,7 +2118,7 @@
           <a:p>
             <a:fld id="{78C97017-6FC3-485B-9764-EAC9E56C1D49}" type="datetimeFigureOut">
               <a:rPr lang="en-US" smtClean="0"/>
-              <a:t>1/7/2017</a:t>
+              <a:t>11/12/2018</a:t>
             </a:fld>
             <a:endParaRPr lang="en-US"/>
           </a:p>
@@ -2234,7 +2235,7 @@
           <a:p>
             <a:fld id="{78C97017-6FC3-485B-9764-EAC9E56C1D49}" type="datetimeFigureOut">
               <a:rPr lang="en-US" smtClean="0"/>
-              <a:t>1/7/2017</a:t>
+              <a:t>11/12/2018</a:t>
             </a:fld>
             <a:endParaRPr lang="en-US"/>
           </a:p>
@@ -2329,7 +2330,7 @@
           <a:p>
             <a:fld id="{78C97017-6FC3-485B-9764-EAC9E56C1D49}" type="datetimeFigureOut">
               <a:rPr lang="en-US" smtClean="0"/>
-              <a:t>1/7/2017</a:t>
+              <a:t>11/12/2018</a:t>
             </a:fld>
             <a:endParaRPr lang="en-US"/>
           </a:p>
@@ -2604,7 +2605,7 @@
           <a:p>
             <a:fld id="{78C97017-6FC3-485B-9764-EAC9E56C1D49}" type="datetimeFigureOut">
               <a:rPr lang="en-US" smtClean="0"/>
-              <a:t>1/7/2017</a:t>
+              <a:t>11/12/2018</a:t>
             </a:fld>
             <a:endParaRPr lang="en-US"/>
           </a:p>
@@ -2856,7 +2857,7 @@
           <a:p>
             <a:fld id="{78C97017-6FC3-485B-9764-EAC9E56C1D49}" type="datetimeFigureOut">
               <a:rPr lang="en-US" smtClean="0"/>
-              <a:t>1/7/2017</a:t>
+              <a:t>11/12/2018</a:t>
             </a:fld>
             <a:endParaRPr lang="en-US"/>
           </a:p>
@@ -3067,7 +3068,7 @@
           <a:p>
             <a:fld id="{78C97017-6FC3-485B-9764-EAC9E56C1D49}" type="datetimeFigureOut">
               <a:rPr lang="en-US" smtClean="0"/>
-              <a:t>1/7/2017</a:t>
+              <a:t>11/12/2018</a:t>
             </a:fld>
             <a:endParaRPr lang="en-US"/>
           </a:p>
@@ -5513,6 +5514,2332 @@
     <p:extLst>
       <p:ext uri="{BB962C8B-B14F-4D97-AF65-F5344CB8AC3E}">
         <p14:creationId xmlns:p14="http://schemas.microsoft.com/office/powerpoint/2010/main" val="2776882492"/>
+      </p:ext>
+    </p:extLst>
+  </p:cSld>
+  <p:clrMapOvr>
+    <a:masterClrMapping/>
+  </p:clrMapOvr>
+</p:sld>
+</file>
+
+<file path=ppt/slides/slide2.xml><?xml version="1.0" encoding="utf-8"?>
+<p:sld xmlns:a="http://schemas.openxmlformats.org/drawingml/2006/main" xmlns:r="http://schemas.openxmlformats.org/officeDocument/2006/relationships" xmlns:p="http://schemas.openxmlformats.org/presentationml/2006/main">
+  <p:cSld>
+    <p:spTree>
+      <p:nvGrpSpPr>
+        <p:cNvPr id="1" name=""/>
+        <p:cNvGrpSpPr/>
+        <p:nvPr/>
+      </p:nvGrpSpPr>
+      <p:grpSpPr>
+        <a:xfrm>
+          <a:off x="0" y="0"/>
+          <a:ext cx="0" cy="0"/>
+          <a:chOff x="0" y="0"/>
+          <a:chExt cx="0" cy="0"/>
+        </a:xfrm>
+      </p:grpSpPr>
+      <p:sp>
+        <p:nvSpPr>
+          <p:cNvPr id="23" name="Rectangle 65"/>
+          <p:cNvSpPr/>
+          <p:nvPr/>
+        </p:nvSpPr>
+        <p:spPr>
+          <a:xfrm>
+            <a:off x="1201051" y="1447800"/>
+            <a:ext cx="4917083" cy="4648200"/>
+          </a:xfrm>
+          <a:prstGeom prst="roundRect">
+            <a:avLst>
+              <a:gd name="adj" fmla="val 3484"/>
+            </a:avLst>
+          </a:prstGeom>
+          <a:solidFill>
+            <a:srgbClr val="F1F5E9"/>
+          </a:solidFill>
+          <a:ln w="19050">
+            <a:noFill/>
+          </a:ln>
+          <a:effectLst/>
+        </p:spPr>
+        <p:style>
+          <a:lnRef idx="1">
+            <a:schemeClr val="accent2"/>
+          </a:lnRef>
+          <a:fillRef idx="2">
+            <a:schemeClr val="accent2"/>
+          </a:fillRef>
+          <a:effectRef idx="1">
+            <a:schemeClr val="accent2"/>
+          </a:effectRef>
+          <a:fontRef idx="minor">
+            <a:schemeClr val="dk1"/>
+          </a:fontRef>
+        </p:style>
+        <p:txBody>
+          <a:bodyPr rtlCol="0" anchor="t"/>
+          <a:lstStyle/>
+          <a:p>
+            <a:r>
+              <a:rPr lang="en-US" sz="1200" b="1" dirty="0">
+                <a:solidFill>
+                  <a:schemeClr val="accent3">
+                    <a:lumMod val="75000"/>
+                  </a:schemeClr>
+                </a:solidFill>
+              </a:rPr>
+              <a:t>UI</a:t>
+            </a:r>
+            <a:endParaRPr lang="en-SG" sz="1200" b="1" dirty="0">
+              <a:solidFill>
+                <a:schemeClr val="accent3">
+                  <a:lumMod val="75000"/>
+                </a:schemeClr>
+              </a:solidFill>
+            </a:endParaRPr>
+          </a:p>
+        </p:txBody>
+      </p:sp>
+      <p:sp>
+        <p:nvSpPr>
+          <p:cNvPr id="2" name="Rectangle 8"/>
+          <p:cNvSpPr/>
+          <p:nvPr/>
+        </p:nvSpPr>
+        <p:spPr>
+          <a:xfrm>
+            <a:off x="2095948" y="2341220"/>
+            <a:ext cx="1093635" cy="346760"/>
+          </a:xfrm>
+          <a:prstGeom prst="rect">
+            <a:avLst/>
+          </a:prstGeom>
+          <a:ln w="19050">
+            <a:solidFill>
+              <a:schemeClr val="accent3"/>
+            </a:solidFill>
+          </a:ln>
+          <a:effectLst/>
+        </p:spPr>
+        <p:style>
+          <a:lnRef idx="1">
+            <a:schemeClr val="accent3"/>
+          </a:lnRef>
+          <a:fillRef idx="2">
+            <a:schemeClr val="accent3"/>
+          </a:fillRef>
+          <a:effectRef idx="1">
+            <a:schemeClr val="accent3"/>
+          </a:effectRef>
+          <a:fontRef idx="minor">
+            <a:schemeClr val="dk1"/>
+          </a:fontRef>
+        </p:style>
+        <p:txBody>
+          <a:bodyPr rtlCol="0" anchor="ctr"/>
+          <a:lstStyle/>
+          <a:p>
+            <a:pPr algn="ctr"/>
+            <a:r>
+              <a:rPr lang="en-US" sz="1050" b="1" dirty="0" err="1">
+                <a:solidFill>
+                  <a:schemeClr val="accent3">
+                    <a:lumMod val="75000"/>
+                  </a:schemeClr>
+                </a:solidFill>
+              </a:rPr>
+              <a:t>MainWindow</a:t>
+            </a:r>
+            <a:endParaRPr lang="en-SG" sz="1050" b="1" dirty="0">
+              <a:solidFill>
+                <a:schemeClr val="accent3">
+                  <a:lumMod val="75000"/>
+                </a:schemeClr>
+              </a:solidFill>
+            </a:endParaRPr>
+          </a:p>
+        </p:txBody>
+      </p:sp>
+      <p:sp>
+        <p:nvSpPr>
+          <p:cNvPr id="3" name="Rectangle 11"/>
+          <p:cNvSpPr/>
+          <p:nvPr/>
+        </p:nvSpPr>
+        <p:spPr>
+          <a:xfrm>
+            <a:off x="2592528" y="2971800"/>
+            <a:ext cx="1093635" cy="236841"/>
+          </a:xfrm>
+          <a:prstGeom prst="rect">
+            <a:avLst/>
+          </a:prstGeom>
+          <a:ln w="19050">
+            <a:solidFill>
+              <a:schemeClr val="accent3"/>
+            </a:solidFill>
+          </a:ln>
+          <a:effectLst/>
+        </p:spPr>
+        <p:style>
+          <a:lnRef idx="1">
+            <a:schemeClr val="accent3"/>
+          </a:lnRef>
+          <a:fillRef idx="2">
+            <a:schemeClr val="accent3"/>
+          </a:fillRef>
+          <a:effectRef idx="1">
+            <a:schemeClr val="accent3"/>
+          </a:effectRef>
+          <a:fontRef idx="minor">
+            <a:schemeClr val="dk1"/>
+          </a:fontRef>
+        </p:style>
+        <p:txBody>
+          <a:bodyPr rtlCol="0" anchor="ctr"/>
+          <a:lstStyle/>
+          <a:p>
+            <a:pPr algn="ctr"/>
+            <a:r>
+              <a:rPr lang="en-US" sz="1050" b="1" dirty="0" err="1">
+                <a:solidFill>
+                  <a:schemeClr val="accent3">
+                    <a:lumMod val="75000"/>
+                  </a:schemeClr>
+                </a:solidFill>
+              </a:rPr>
+              <a:t>CommandBox</a:t>
+            </a:r>
+            <a:endParaRPr lang="en-SG" sz="1050" b="1" dirty="0">
+              <a:solidFill>
+                <a:schemeClr val="accent3">
+                  <a:lumMod val="75000"/>
+                </a:schemeClr>
+              </a:solidFill>
+            </a:endParaRPr>
+          </a:p>
+        </p:txBody>
+      </p:sp>
+      <p:sp>
+        <p:nvSpPr>
+          <p:cNvPr id="9" name="Rectangle 62"/>
+          <p:cNvSpPr/>
+          <p:nvPr/>
+        </p:nvSpPr>
+        <p:spPr>
+          <a:xfrm>
+            <a:off x="2092842" y="1770924"/>
+            <a:ext cx="1093635" cy="346760"/>
+          </a:xfrm>
+          <a:prstGeom prst="rect">
+            <a:avLst/>
+          </a:prstGeom>
+          <a:solidFill>
+            <a:srgbClr val="00B050"/>
+          </a:solidFill>
+          <a:ln w="19050">
+            <a:solidFill>
+              <a:srgbClr val="00B050"/>
+            </a:solidFill>
+          </a:ln>
+          <a:effectLst/>
+        </p:spPr>
+        <p:style>
+          <a:lnRef idx="1">
+            <a:schemeClr val="accent2"/>
+          </a:lnRef>
+          <a:fillRef idx="2">
+            <a:schemeClr val="accent2"/>
+          </a:fillRef>
+          <a:effectRef idx="1">
+            <a:schemeClr val="accent2"/>
+          </a:effectRef>
+          <a:fontRef idx="minor">
+            <a:schemeClr val="dk1"/>
+          </a:fontRef>
+        </p:style>
+        <p:txBody>
+          <a:bodyPr rtlCol="0" anchor="ctr"/>
+          <a:lstStyle/>
+          <a:p>
+            <a:pPr algn="ctr"/>
+            <a:r>
+              <a:rPr lang="en-US" sz="1050" dirty="0" err="1">
+                <a:solidFill>
+                  <a:schemeClr val="bg1"/>
+                </a:solidFill>
+              </a:rPr>
+              <a:t>UiManager</a:t>
+            </a:r>
+            <a:endParaRPr lang="en-SG" sz="1050" dirty="0">
+              <a:solidFill>
+                <a:schemeClr val="bg1"/>
+              </a:solidFill>
+            </a:endParaRPr>
+          </a:p>
+        </p:txBody>
+      </p:sp>
+      <p:cxnSp>
+        <p:nvCxnSpPr>
+          <p:cNvPr id="10" name="Elbow Connector 63"/>
+          <p:cNvCxnSpPr>
+            <a:stCxn id="9" idx="2"/>
+            <a:endCxn id="2" idx="0"/>
+          </p:cNvCxnSpPr>
+          <p:nvPr/>
+        </p:nvCxnSpPr>
+        <p:spPr>
+          <a:xfrm rot="16200000" flipH="1">
+            <a:off x="2529445" y="2227899"/>
+            <a:ext cx="223536" cy="3106"/>
+          </a:xfrm>
+          <a:prstGeom prst="bentConnector3">
+            <a:avLst>
+              <a:gd name="adj1" fmla="val 50000"/>
+            </a:avLst>
+          </a:prstGeom>
+          <a:ln w="19050">
+            <a:solidFill>
+              <a:srgbClr val="00B050"/>
+            </a:solidFill>
+            <a:headEnd type="none" w="med" len="med"/>
+            <a:tailEnd type="arrow" w="med" len="med"/>
+          </a:ln>
+          <a:effectLst/>
+        </p:spPr>
+        <p:style>
+          <a:lnRef idx="1">
+            <a:schemeClr val="accent2"/>
+          </a:lnRef>
+          <a:fillRef idx="2">
+            <a:schemeClr val="accent2"/>
+          </a:fillRef>
+          <a:effectRef idx="1">
+            <a:schemeClr val="accent2"/>
+          </a:effectRef>
+          <a:fontRef idx="minor">
+            <a:schemeClr val="dk1"/>
+          </a:fontRef>
+        </p:style>
+      </p:cxnSp>
+      <p:sp>
+        <p:nvSpPr>
+          <p:cNvPr id="16" name="Isosceles Triangle 102"/>
+          <p:cNvSpPr/>
+          <p:nvPr/>
+        </p:nvSpPr>
+        <p:spPr>
+          <a:xfrm rot="10800000" flipV="1">
+            <a:off x="5394717" y="2110477"/>
+            <a:ext cx="270504" cy="175523"/>
+          </a:xfrm>
+          <a:prstGeom prst="triangle">
+            <a:avLst/>
+          </a:prstGeom>
+          <a:ln w="6350">
+            <a:solidFill>
+              <a:schemeClr val="accent3"/>
+            </a:solidFill>
+          </a:ln>
+          <a:effectLst/>
+        </p:spPr>
+        <p:style>
+          <a:lnRef idx="1">
+            <a:schemeClr val="accent3"/>
+          </a:lnRef>
+          <a:fillRef idx="2">
+            <a:schemeClr val="accent3"/>
+          </a:fillRef>
+          <a:effectRef idx="1">
+            <a:schemeClr val="accent3"/>
+          </a:effectRef>
+          <a:fontRef idx="minor">
+            <a:schemeClr val="dk1"/>
+          </a:fontRef>
+        </p:style>
+        <p:txBody>
+          <a:bodyPr rtlCol="0" anchor="ctr"/>
+          <a:lstStyle/>
+          <a:p>
+            <a:pPr algn="ctr"/>
+            <a:endParaRPr lang="en-SG" sz="1050" b="1">
+              <a:solidFill>
+                <a:srgbClr val="92D050"/>
+              </a:solidFill>
+            </a:endParaRPr>
+          </a:p>
+        </p:txBody>
+      </p:sp>
+      <p:cxnSp>
+        <p:nvCxnSpPr>
+          <p:cNvPr id="19" name="Elbow Connector 122"/>
+          <p:cNvCxnSpPr/>
+          <p:nvPr/>
+        </p:nvCxnSpPr>
+        <p:spPr>
+          <a:xfrm flipV="1">
+            <a:off x="644735" y="2991937"/>
+            <a:ext cx="684904" cy="1"/>
+          </a:xfrm>
+          <a:prstGeom prst="bentConnector3">
+            <a:avLst>
+              <a:gd name="adj1" fmla="val 50000"/>
+            </a:avLst>
+          </a:prstGeom>
+          <a:ln w="19050">
+            <a:solidFill>
+              <a:schemeClr val="bg1">
+                <a:lumMod val="75000"/>
+              </a:schemeClr>
+            </a:solidFill>
+            <a:prstDash val="sysDot"/>
+            <a:headEnd type="none" w="med" len="med"/>
+            <a:tailEnd type="arrow" w="med" len="med"/>
+          </a:ln>
+          <a:effectLst/>
+        </p:spPr>
+        <p:style>
+          <a:lnRef idx="1">
+            <a:schemeClr val="accent2"/>
+          </a:lnRef>
+          <a:fillRef idx="2">
+            <a:schemeClr val="accent2"/>
+          </a:fillRef>
+          <a:effectRef idx="1">
+            <a:schemeClr val="accent2"/>
+          </a:effectRef>
+          <a:fontRef idx="minor">
+            <a:schemeClr val="dk1"/>
+          </a:fontRef>
+        </p:style>
+      </p:cxnSp>
+      <p:sp>
+        <p:nvSpPr>
+          <p:cNvPr id="22" name="Rectangle 65"/>
+          <p:cNvSpPr/>
+          <p:nvPr/>
+        </p:nvSpPr>
+        <p:spPr>
+          <a:xfrm rot="16200000">
+            <a:off x="5703829" y="2464877"/>
+            <a:ext cx="2362201" cy="328045"/>
+          </a:xfrm>
+          <a:prstGeom prst="roundRect">
+            <a:avLst/>
+          </a:prstGeom>
+          <a:solidFill>
+            <a:schemeClr val="accent1">
+              <a:lumMod val="20000"/>
+              <a:lumOff val="80000"/>
+            </a:schemeClr>
+          </a:solidFill>
+          <a:ln w="19050">
+            <a:noFill/>
+          </a:ln>
+          <a:effectLst/>
+        </p:spPr>
+        <p:style>
+          <a:lnRef idx="1">
+            <a:schemeClr val="accent2"/>
+          </a:lnRef>
+          <a:fillRef idx="2">
+            <a:schemeClr val="accent2"/>
+          </a:fillRef>
+          <a:effectRef idx="1">
+            <a:schemeClr val="accent2"/>
+          </a:effectRef>
+          <a:fontRef idx="minor">
+            <a:schemeClr val="dk1"/>
+          </a:fontRef>
+        </p:style>
+        <p:txBody>
+          <a:bodyPr rtlCol="0" anchor="ctr"/>
+          <a:lstStyle/>
+          <a:p>
+            <a:pPr algn="ctr"/>
+            <a:r>
+              <a:rPr lang="en-US" sz="1100" b="1" dirty="0">
+                <a:solidFill>
+                  <a:schemeClr val="bg1"/>
+                </a:solidFill>
+              </a:rPr>
+              <a:t>Logic</a:t>
+            </a:r>
+            <a:endParaRPr lang="en-SG" sz="1100" b="1" dirty="0">
+              <a:solidFill>
+                <a:schemeClr val="bg1"/>
+              </a:solidFill>
+            </a:endParaRPr>
+          </a:p>
+        </p:txBody>
+      </p:sp>
+      <p:sp>
+        <p:nvSpPr>
+          <p:cNvPr id="34" name="Rectangle 11"/>
+          <p:cNvSpPr/>
+          <p:nvPr/>
+        </p:nvSpPr>
+        <p:spPr>
+          <a:xfrm>
+            <a:off x="2592528" y="3649359"/>
+            <a:ext cx="1093635" cy="236841"/>
+          </a:xfrm>
+          <a:prstGeom prst="rect">
+            <a:avLst/>
+          </a:prstGeom>
+          <a:ln w="19050">
+            <a:solidFill>
+              <a:schemeClr val="accent3"/>
+            </a:solidFill>
+          </a:ln>
+          <a:effectLst/>
+        </p:spPr>
+        <p:style>
+          <a:lnRef idx="1">
+            <a:schemeClr val="accent3"/>
+          </a:lnRef>
+          <a:fillRef idx="2">
+            <a:schemeClr val="accent3"/>
+          </a:fillRef>
+          <a:effectRef idx="1">
+            <a:schemeClr val="accent3"/>
+          </a:effectRef>
+          <a:fontRef idx="minor">
+            <a:schemeClr val="dk1"/>
+          </a:fontRef>
+        </p:style>
+        <p:txBody>
+          <a:bodyPr rtlCol="0" anchor="ctr"/>
+          <a:lstStyle/>
+          <a:p>
+            <a:pPr algn="ctr"/>
+            <a:r>
+              <a:rPr lang="en-US" sz="1050" b="1" dirty="0" err="1">
+                <a:solidFill>
+                  <a:schemeClr val="accent3">
+                    <a:lumMod val="75000"/>
+                  </a:schemeClr>
+                </a:solidFill>
+              </a:rPr>
+              <a:t>ContextBar</a:t>
+            </a:r>
+            <a:endParaRPr lang="en-SG" sz="1050" b="1" dirty="0">
+              <a:solidFill>
+                <a:schemeClr val="accent3">
+                  <a:lumMod val="75000"/>
+                </a:schemeClr>
+              </a:solidFill>
+            </a:endParaRPr>
+          </a:p>
+        </p:txBody>
+      </p:sp>
+      <p:sp>
+        <p:nvSpPr>
+          <p:cNvPr id="35" name="Rectangle 11"/>
+          <p:cNvSpPr/>
+          <p:nvPr/>
+        </p:nvSpPr>
+        <p:spPr>
+          <a:xfrm>
+            <a:off x="2592527" y="4563759"/>
+            <a:ext cx="1391343" cy="236841"/>
+          </a:xfrm>
+          <a:prstGeom prst="rect">
+            <a:avLst/>
+          </a:prstGeom>
+          <a:ln w="19050">
+            <a:solidFill>
+              <a:schemeClr val="accent3"/>
+            </a:solidFill>
+          </a:ln>
+          <a:effectLst/>
+        </p:spPr>
+        <p:style>
+          <a:lnRef idx="1">
+            <a:schemeClr val="accent3"/>
+          </a:lnRef>
+          <a:fillRef idx="2">
+            <a:schemeClr val="accent3"/>
+          </a:fillRef>
+          <a:effectRef idx="1">
+            <a:schemeClr val="accent3"/>
+          </a:effectRef>
+          <a:fontRef idx="minor">
+            <a:schemeClr val="dk1"/>
+          </a:fontRef>
+        </p:style>
+        <p:txBody>
+          <a:bodyPr rtlCol="0" anchor="ctr"/>
+          <a:lstStyle/>
+          <a:p>
+            <a:pPr algn="ctr"/>
+            <a:r>
+              <a:rPr lang="en-US" sz="1050" b="1" dirty="0" err="1">
+                <a:solidFill>
+                  <a:schemeClr val="accent3">
+                    <a:lumMod val="75000"/>
+                  </a:schemeClr>
+                </a:solidFill>
+              </a:rPr>
+              <a:t>ExpandedEntryPanel</a:t>
+            </a:r>
+            <a:endParaRPr lang="en-SG" sz="1050" b="1" dirty="0">
+              <a:solidFill>
+                <a:schemeClr val="accent3">
+                  <a:lumMod val="75000"/>
+                </a:schemeClr>
+              </a:solidFill>
+            </a:endParaRPr>
+          </a:p>
+        </p:txBody>
+      </p:sp>
+      <p:sp>
+        <p:nvSpPr>
+          <p:cNvPr id="36" name="Rectangle 11"/>
+          <p:cNvSpPr/>
+          <p:nvPr/>
+        </p:nvSpPr>
+        <p:spPr>
+          <a:xfrm>
+            <a:off x="2592526" y="3991960"/>
+            <a:ext cx="1093635" cy="236841"/>
+          </a:xfrm>
+          <a:prstGeom prst="rect">
+            <a:avLst/>
+          </a:prstGeom>
+          <a:ln w="19050">
+            <a:solidFill>
+              <a:schemeClr val="accent3"/>
+            </a:solidFill>
+          </a:ln>
+          <a:effectLst/>
+        </p:spPr>
+        <p:style>
+          <a:lnRef idx="1">
+            <a:schemeClr val="accent3"/>
+          </a:lnRef>
+          <a:fillRef idx="2">
+            <a:schemeClr val="accent3"/>
+          </a:fillRef>
+          <a:effectRef idx="1">
+            <a:schemeClr val="accent3"/>
+          </a:effectRef>
+          <a:fontRef idx="minor">
+            <a:schemeClr val="dk1"/>
+          </a:fontRef>
+        </p:style>
+        <p:txBody>
+          <a:bodyPr rtlCol="0" anchor="ctr"/>
+          <a:lstStyle/>
+          <a:p>
+            <a:pPr algn="ctr"/>
+            <a:r>
+              <a:rPr lang="en-US" sz="1050" b="1" dirty="0" err="1">
+                <a:solidFill>
+                  <a:schemeClr val="accent3">
+                    <a:lumMod val="75000"/>
+                  </a:schemeClr>
+                </a:solidFill>
+              </a:rPr>
+              <a:t>EntryListPanel</a:t>
+            </a:r>
+            <a:endParaRPr lang="en-SG" sz="1050" b="1" dirty="0">
+              <a:solidFill>
+                <a:schemeClr val="accent3">
+                  <a:lumMod val="75000"/>
+                </a:schemeClr>
+              </a:solidFill>
+            </a:endParaRPr>
+          </a:p>
+        </p:txBody>
+      </p:sp>
+      <p:sp>
+        <p:nvSpPr>
+          <p:cNvPr id="37" name="Rectangle 11"/>
+          <p:cNvSpPr/>
+          <p:nvPr/>
+        </p:nvSpPr>
+        <p:spPr>
+          <a:xfrm>
+            <a:off x="3839323" y="4228801"/>
+            <a:ext cx="1040906" cy="236841"/>
+          </a:xfrm>
+          <a:prstGeom prst="rect">
+            <a:avLst/>
+          </a:prstGeom>
+          <a:ln w="19050">
+            <a:solidFill>
+              <a:schemeClr val="accent3"/>
+            </a:solidFill>
+          </a:ln>
+          <a:effectLst/>
+        </p:spPr>
+        <p:style>
+          <a:lnRef idx="1">
+            <a:schemeClr val="accent3"/>
+          </a:lnRef>
+          <a:fillRef idx="2">
+            <a:schemeClr val="accent3"/>
+          </a:fillRef>
+          <a:effectRef idx="1">
+            <a:schemeClr val="accent3"/>
+          </a:effectRef>
+          <a:fontRef idx="minor">
+            <a:schemeClr val="dk1"/>
+          </a:fontRef>
+        </p:style>
+        <p:txBody>
+          <a:bodyPr rtlCol="0" anchor="ctr"/>
+          <a:lstStyle/>
+          <a:p>
+            <a:pPr algn="ctr"/>
+            <a:r>
+              <a:rPr lang="en-US" sz="1050" b="1" dirty="0" err="1">
+                <a:solidFill>
+                  <a:schemeClr val="accent3">
+                    <a:lumMod val="75000"/>
+                  </a:schemeClr>
+                </a:solidFill>
+              </a:rPr>
+              <a:t>EntryCard</a:t>
+            </a:r>
+            <a:endParaRPr lang="en-SG" sz="1050" b="1" dirty="0">
+              <a:solidFill>
+                <a:schemeClr val="accent3">
+                  <a:lumMod val="75000"/>
+                </a:schemeClr>
+              </a:solidFill>
+            </a:endParaRPr>
+          </a:p>
+        </p:txBody>
+      </p:sp>
+      <p:sp>
+        <p:nvSpPr>
+          <p:cNvPr id="38" name="Rectangle 11"/>
+          <p:cNvSpPr/>
+          <p:nvPr/>
+        </p:nvSpPr>
+        <p:spPr>
+          <a:xfrm>
+            <a:off x="2583872" y="5717030"/>
+            <a:ext cx="1093635" cy="236841"/>
+          </a:xfrm>
+          <a:prstGeom prst="rect">
+            <a:avLst/>
+          </a:prstGeom>
+          <a:ln w="19050">
+            <a:solidFill>
+              <a:schemeClr val="accent3"/>
+            </a:solidFill>
+          </a:ln>
+          <a:effectLst/>
+        </p:spPr>
+        <p:style>
+          <a:lnRef idx="1">
+            <a:schemeClr val="accent3"/>
+          </a:lnRef>
+          <a:fillRef idx="2">
+            <a:schemeClr val="accent3"/>
+          </a:fillRef>
+          <a:effectRef idx="1">
+            <a:schemeClr val="accent3"/>
+          </a:effectRef>
+          <a:fontRef idx="minor">
+            <a:schemeClr val="dk1"/>
+          </a:fontRef>
+        </p:style>
+        <p:txBody>
+          <a:bodyPr rtlCol="0" anchor="ctr"/>
+          <a:lstStyle/>
+          <a:p>
+            <a:pPr algn="ctr"/>
+            <a:r>
+              <a:rPr lang="en-US" sz="1050" b="1" dirty="0" err="1">
+                <a:solidFill>
+                  <a:schemeClr val="accent3">
+                    <a:lumMod val="75000"/>
+                  </a:schemeClr>
+                </a:solidFill>
+              </a:rPr>
+              <a:t>HelpWindow</a:t>
+            </a:r>
+            <a:endParaRPr lang="en-SG" sz="1050" b="1" dirty="0">
+              <a:solidFill>
+                <a:schemeClr val="accent3">
+                  <a:lumMod val="75000"/>
+                </a:schemeClr>
+              </a:solidFill>
+            </a:endParaRPr>
+          </a:p>
+        </p:txBody>
+      </p:sp>
+      <p:sp>
+        <p:nvSpPr>
+          <p:cNvPr id="39" name="Flowchart: Decision 38"/>
+          <p:cNvSpPr/>
+          <p:nvPr/>
+        </p:nvSpPr>
+        <p:spPr>
+          <a:xfrm>
+            <a:off x="2324548" y="2706452"/>
+            <a:ext cx="183156" cy="161573"/>
+          </a:xfrm>
+          <a:prstGeom prst="flowChartDecision">
+            <a:avLst/>
+          </a:prstGeom>
+          <a:solidFill>
+            <a:schemeClr val="accent3"/>
+          </a:solidFill>
+          <a:ln>
+            <a:solidFill>
+              <a:schemeClr val="accent3"/>
+            </a:solidFill>
+          </a:ln>
+        </p:spPr>
+        <p:style>
+          <a:lnRef idx="2">
+            <a:schemeClr val="accent1">
+              <a:shade val="50000"/>
+            </a:schemeClr>
+          </a:lnRef>
+          <a:fillRef idx="1">
+            <a:schemeClr val="accent1"/>
+          </a:fillRef>
+          <a:effectRef idx="0">
+            <a:schemeClr val="accent1"/>
+          </a:effectRef>
+          <a:fontRef idx="minor">
+            <a:schemeClr val="lt1"/>
+          </a:fontRef>
+        </p:style>
+        <p:txBody>
+          <a:bodyPr rtlCol="0" anchor="ctr"/>
+          <a:lstStyle/>
+          <a:p>
+            <a:pPr algn="ctr"/>
+            <a:endParaRPr lang="en-SG"/>
+          </a:p>
+        </p:txBody>
+      </p:sp>
+      <p:cxnSp>
+        <p:nvCxnSpPr>
+          <p:cNvPr id="40" name="Elbow Connector 63"/>
+          <p:cNvCxnSpPr>
+            <a:stCxn id="39" idx="2"/>
+            <a:endCxn id="3" idx="1"/>
+          </p:cNvCxnSpPr>
+          <p:nvPr/>
+        </p:nvCxnSpPr>
+        <p:spPr>
+          <a:xfrm rot="16200000" flipH="1">
+            <a:off x="2393229" y="2890922"/>
+            <a:ext cx="222196" cy="176402"/>
+          </a:xfrm>
+          <a:prstGeom prst="bentConnector2">
+            <a:avLst/>
+          </a:prstGeom>
+          <a:ln w="19050">
+            <a:solidFill>
+              <a:schemeClr val="accent3"/>
+            </a:solidFill>
+            <a:headEnd type="none" w="med" len="med"/>
+            <a:tailEnd type="arrow" w="med" len="med"/>
+          </a:ln>
+          <a:effectLst/>
+        </p:spPr>
+        <p:style>
+          <a:lnRef idx="1">
+            <a:schemeClr val="accent2"/>
+          </a:lnRef>
+          <a:fillRef idx="2">
+            <a:schemeClr val="accent2"/>
+          </a:fillRef>
+          <a:effectRef idx="1">
+            <a:schemeClr val="accent2"/>
+          </a:effectRef>
+          <a:fontRef idx="minor">
+            <a:schemeClr val="dk1"/>
+          </a:fontRef>
+        </p:style>
+      </p:cxnSp>
+      <p:sp>
+        <p:nvSpPr>
+          <p:cNvPr id="43" name="Rectangle 11"/>
+          <p:cNvSpPr/>
+          <p:nvPr/>
+        </p:nvSpPr>
+        <p:spPr>
+          <a:xfrm>
+            <a:off x="2590799" y="3304308"/>
+            <a:ext cx="1095361" cy="236841"/>
+          </a:xfrm>
+          <a:prstGeom prst="rect">
+            <a:avLst/>
+          </a:prstGeom>
+          <a:ln w="19050">
+            <a:solidFill>
+              <a:schemeClr val="accent3"/>
+            </a:solidFill>
+          </a:ln>
+          <a:effectLst/>
+        </p:spPr>
+        <p:style>
+          <a:lnRef idx="1">
+            <a:schemeClr val="accent3"/>
+          </a:lnRef>
+          <a:fillRef idx="2">
+            <a:schemeClr val="accent3"/>
+          </a:fillRef>
+          <a:effectRef idx="1">
+            <a:schemeClr val="accent3"/>
+          </a:effectRef>
+          <a:fontRef idx="minor">
+            <a:schemeClr val="dk1"/>
+          </a:fontRef>
+        </p:style>
+        <p:txBody>
+          <a:bodyPr rtlCol="0" anchor="ctr"/>
+          <a:lstStyle/>
+          <a:p>
+            <a:pPr algn="ctr"/>
+            <a:r>
+              <a:rPr lang="en-US" sz="1050" b="1" dirty="0" err="1">
+                <a:solidFill>
+                  <a:schemeClr val="accent3">
+                    <a:lumMod val="75000"/>
+                  </a:schemeClr>
+                </a:solidFill>
+              </a:rPr>
+              <a:t>ResultDisplay</a:t>
+            </a:r>
+            <a:endParaRPr lang="en-SG" sz="1050" b="1" dirty="0">
+              <a:solidFill>
+                <a:schemeClr val="accent3">
+                  <a:lumMod val="75000"/>
+                </a:schemeClr>
+              </a:solidFill>
+            </a:endParaRPr>
+          </a:p>
+        </p:txBody>
+      </p:sp>
+      <p:cxnSp>
+        <p:nvCxnSpPr>
+          <p:cNvPr id="44" name="Elbow Connector 63"/>
+          <p:cNvCxnSpPr>
+            <a:stCxn id="39" idx="2"/>
+            <a:endCxn id="34" idx="1"/>
+          </p:cNvCxnSpPr>
+          <p:nvPr/>
+        </p:nvCxnSpPr>
+        <p:spPr>
+          <a:xfrm rot="16200000" flipH="1">
+            <a:off x="2054450" y="3229701"/>
+            <a:ext cx="899755" cy="176402"/>
+          </a:xfrm>
+          <a:prstGeom prst="bentConnector2">
+            <a:avLst/>
+          </a:prstGeom>
+          <a:ln w="19050">
+            <a:solidFill>
+              <a:schemeClr val="accent3"/>
+            </a:solidFill>
+            <a:headEnd type="none" w="med" len="med"/>
+            <a:tailEnd type="arrow" w="med" len="med"/>
+          </a:ln>
+          <a:effectLst/>
+        </p:spPr>
+        <p:style>
+          <a:lnRef idx="1">
+            <a:schemeClr val="accent2"/>
+          </a:lnRef>
+          <a:fillRef idx="2">
+            <a:schemeClr val="accent2"/>
+          </a:fillRef>
+          <a:effectRef idx="1">
+            <a:schemeClr val="accent2"/>
+          </a:effectRef>
+          <a:fontRef idx="minor">
+            <a:schemeClr val="dk1"/>
+          </a:fontRef>
+        </p:style>
+      </p:cxnSp>
+      <p:cxnSp>
+        <p:nvCxnSpPr>
+          <p:cNvPr id="47" name="Elbow Connector 63"/>
+          <p:cNvCxnSpPr>
+            <a:stCxn id="39" idx="2"/>
+            <a:endCxn id="36" idx="1"/>
+          </p:cNvCxnSpPr>
+          <p:nvPr/>
+        </p:nvCxnSpPr>
+        <p:spPr>
+          <a:xfrm rot="16200000" flipH="1">
+            <a:off x="1883148" y="3401003"/>
+            <a:ext cx="1242356" cy="176400"/>
+          </a:xfrm>
+          <a:prstGeom prst="bentConnector2">
+            <a:avLst/>
+          </a:prstGeom>
+          <a:ln w="19050">
+            <a:solidFill>
+              <a:schemeClr val="accent3"/>
+            </a:solidFill>
+            <a:headEnd type="none" w="med" len="med"/>
+            <a:tailEnd type="arrow" w="med" len="med"/>
+          </a:ln>
+          <a:effectLst/>
+        </p:spPr>
+        <p:style>
+          <a:lnRef idx="1">
+            <a:schemeClr val="accent2"/>
+          </a:lnRef>
+          <a:fillRef idx="2">
+            <a:schemeClr val="accent2"/>
+          </a:fillRef>
+          <a:effectRef idx="1">
+            <a:schemeClr val="accent2"/>
+          </a:effectRef>
+          <a:fontRef idx="minor">
+            <a:schemeClr val="dk1"/>
+          </a:fontRef>
+        </p:style>
+      </p:cxnSp>
+      <p:cxnSp>
+        <p:nvCxnSpPr>
+          <p:cNvPr id="50" name="Elbow Connector 63"/>
+          <p:cNvCxnSpPr>
+            <a:cxnSpLocks/>
+            <a:stCxn id="39" idx="2"/>
+            <a:endCxn id="35" idx="1"/>
+          </p:cNvCxnSpPr>
+          <p:nvPr/>
+        </p:nvCxnSpPr>
+        <p:spPr>
+          <a:xfrm rot="16200000" flipH="1">
+            <a:off x="1597249" y="3686901"/>
+            <a:ext cx="1814155" cy="176401"/>
+          </a:xfrm>
+          <a:prstGeom prst="bentConnector2">
+            <a:avLst/>
+          </a:prstGeom>
+          <a:ln w="19050">
+            <a:solidFill>
+              <a:schemeClr val="accent3"/>
+            </a:solidFill>
+            <a:headEnd type="none" w="med" len="med"/>
+            <a:tailEnd type="arrow" w="med" len="med"/>
+          </a:ln>
+          <a:effectLst/>
+        </p:spPr>
+        <p:style>
+          <a:lnRef idx="1">
+            <a:schemeClr val="accent2"/>
+          </a:lnRef>
+          <a:fillRef idx="2">
+            <a:schemeClr val="accent2"/>
+          </a:fillRef>
+          <a:effectRef idx="1">
+            <a:schemeClr val="accent2"/>
+          </a:effectRef>
+          <a:fontRef idx="minor">
+            <a:schemeClr val="dk1"/>
+          </a:fontRef>
+        </p:style>
+      </p:cxnSp>
+      <p:cxnSp>
+        <p:nvCxnSpPr>
+          <p:cNvPr id="53" name="Elbow Connector 63"/>
+          <p:cNvCxnSpPr>
+            <a:cxnSpLocks/>
+            <a:endCxn id="38" idx="1"/>
+          </p:cNvCxnSpPr>
+          <p:nvPr/>
+        </p:nvCxnSpPr>
+        <p:spPr>
+          <a:xfrm rot="16200000" flipH="1">
+            <a:off x="831027" y="4082605"/>
+            <a:ext cx="3147471" cy="358220"/>
+          </a:xfrm>
+          <a:prstGeom prst="bentConnector2">
+            <a:avLst/>
+          </a:prstGeom>
+          <a:ln w="19050">
+            <a:solidFill>
+              <a:schemeClr val="accent3"/>
+            </a:solidFill>
+            <a:headEnd type="none" w="med" len="med"/>
+            <a:tailEnd type="arrow" w="med" len="med"/>
+          </a:ln>
+          <a:effectLst/>
+        </p:spPr>
+        <p:style>
+          <a:lnRef idx="1">
+            <a:schemeClr val="accent2"/>
+          </a:lnRef>
+          <a:fillRef idx="2">
+            <a:schemeClr val="accent2"/>
+          </a:fillRef>
+          <a:effectRef idx="1">
+            <a:schemeClr val="accent2"/>
+          </a:effectRef>
+          <a:fontRef idx="minor">
+            <a:schemeClr val="dk1"/>
+          </a:fontRef>
+        </p:style>
+      </p:cxnSp>
+      <p:sp>
+        <p:nvSpPr>
+          <p:cNvPr id="73" name="Rectangle 62"/>
+          <p:cNvSpPr/>
+          <p:nvPr/>
+        </p:nvSpPr>
+        <p:spPr>
+          <a:xfrm>
+            <a:off x="5143948" y="1770924"/>
+            <a:ext cx="772043" cy="346760"/>
+          </a:xfrm>
+          <a:prstGeom prst="rect">
+            <a:avLst/>
+          </a:prstGeom>
+          <a:ln w="6350">
+            <a:solidFill>
+              <a:schemeClr val="accent3"/>
+            </a:solidFill>
+          </a:ln>
+          <a:effectLst/>
+        </p:spPr>
+        <p:style>
+          <a:lnRef idx="1">
+            <a:schemeClr val="accent3"/>
+          </a:lnRef>
+          <a:fillRef idx="2">
+            <a:schemeClr val="accent3"/>
+          </a:fillRef>
+          <a:effectRef idx="1">
+            <a:schemeClr val="accent3"/>
+          </a:effectRef>
+          <a:fontRef idx="minor">
+            <a:schemeClr val="dk1"/>
+          </a:fontRef>
+        </p:style>
+        <p:txBody>
+          <a:bodyPr rtlCol="0" anchor="ctr"/>
+          <a:lstStyle/>
+          <a:p>
+            <a:pPr algn="ctr"/>
+            <a:r>
+              <a:rPr lang="en-US" sz="1050" b="1" dirty="0">
+                <a:solidFill>
+                  <a:schemeClr val="accent3">
+                    <a:lumMod val="75000"/>
+                  </a:schemeClr>
+                </a:solidFill>
+              </a:rPr>
+              <a:t>{abstract}</a:t>
+            </a:r>
+            <a:br>
+              <a:rPr lang="en-US" sz="1050" b="1" dirty="0">
+                <a:solidFill>
+                  <a:schemeClr val="accent3">
+                    <a:lumMod val="75000"/>
+                  </a:schemeClr>
+                </a:solidFill>
+              </a:rPr>
+            </a:br>
+            <a:r>
+              <a:rPr lang="en-US" sz="1050" b="1" dirty="0" err="1">
+                <a:solidFill>
+                  <a:schemeClr val="accent3">
+                    <a:lumMod val="75000"/>
+                  </a:schemeClr>
+                </a:solidFill>
+              </a:rPr>
+              <a:t>UiPart</a:t>
+            </a:r>
+            <a:endParaRPr lang="en-SG" sz="1050" b="1" dirty="0">
+              <a:solidFill>
+                <a:schemeClr val="accent3">
+                  <a:lumMod val="75000"/>
+                </a:schemeClr>
+              </a:solidFill>
+            </a:endParaRPr>
+          </a:p>
+        </p:txBody>
+      </p:sp>
+      <p:cxnSp>
+        <p:nvCxnSpPr>
+          <p:cNvPr id="74" name="Elbow Connector 63"/>
+          <p:cNvCxnSpPr>
+            <a:stCxn id="43" idx="3"/>
+            <a:endCxn id="16" idx="3"/>
+          </p:cNvCxnSpPr>
+          <p:nvPr/>
+        </p:nvCxnSpPr>
+        <p:spPr>
+          <a:xfrm flipV="1">
+            <a:off x="3686160" y="2286000"/>
+            <a:ext cx="1843809" cy="1136729"/>
+          </a:xfrm>
+          <a:prstGeom prst="bentConnector2">
+            <a:avLst/>
+          </a:prstGeom>
+          <a:ln w="6350">
+            <a:solidFill>
+              <a:schemeClr val="accent3"/>
+            </a:solidFill>
+            <a:headEnd type="none" w="med" len="med"/>
+            <a:tailEnd type="none" w="med" len="med"/>
+          </a:ln>
+          <a:effectLst/>
+        </p:spPr>
+        <p:style>
+          <a:lnRef idx="1">
+            <a:schemeClr val="accent2"/>
+          </a:lnRef>
+          <a:fillRef idx="2">
+            <a:schemeClr val="accent2"/>
+          </a:fillRef>
+          <a:effectRef idx="1">
+            <a:schemeClr val="accent2"/>
+          </a:effectRef>
+          <a:fontRef idx="minor">
+            <a:schemeClr val="dk1"/>
+          </a:fontRef>
+        </p:style>
+      </p:cxnSp>
+      <p:cxnSp>
+        <p:nvCxnSpPr>
+          <p:cNvPr id="77" name="Elbow Connector 63"/>
+          <p:cNvCxnSpPr>
+            <a:stCxn id="16" idx="3"/>
+            <a:endCxn id="37" idx="3"/>
+          </p:cNvCxnSpPr>
+          <p:nvPr/>
+        </p:nvCxnSpPr>
+        <p:spPr>
+          <a:xfrm rot="5400000">
+            <a:off x="4174488" y="2991741"/>
+            <a:ext cx="2061222" cy="649740"/>
+          </a:xfrm>
+          <a:prstGeom prst="bentConnector2">
+            <a:avLst/>
+          </a:prstGeom>
+          <a:ln w="6350">
+            <a:solidFill>
+              <a:schemeClr val="accent3"/>
+            </a:solidFill>
+            <a:headEnd type="none" w="med" len="med"/>
+            <a:tailEnd type="none" w="med" len="med"/>
+          </a:ln>
+          <a:effectLst/>
+        </p:spPr>
+        <p:style>
+          <a:lnRef idx="1">
+            <a:schemeClr val="accent2"/>
+          </a:lnRef>
+          <a:fillRef idx="2">
+            <a:schemeClr val="accent2"/>
+          </a:fillRef>
+          <a:effectRef idx="1">
+            <a:schemeClr val="accent2"/>
+          </a:effectRef>
+          <a:fontRef idx="minor">
+            <a:schemeClr val="dk1"/>
+          </a:fontRef>
+        </p:style>
+      </p:cxnSp>
+      <p:cxnSp>
+        <p:nvCxnSpPr>
+          <p:cNvPr id="82" name="Elbow Connector 63"/>
+          <p:cNvCxnSpPr>
+            <a:stCxn id="16" idx="3"/>
+            <a:endCxn id="34" idx="3"/>
+          </p:cNvCxnSpPr>
+          <p:nvPr/>
+        </p:nvCxnSpPr>
+        <p:spPr>
+          <a:xfrm rot="5400000">
+            <a:off x="3867176" y="2104987"/>
+            <a:ext cx="1481780" cy="1843806"/>
+          </a:xfrm>
+          <a:prstGeom prst="bentConnector2">
+            <a:avLst/>
+          </a:prstGeom>
+          <a:ln w="6350">
+            <a:solidFill>
+              <a:schemeClr val="accent3"/>
+            </a:solidFill>
+            <a:headEnd type="none" w="med" len="med"/>
+            <a:tailEnd type="none" w="med" len="med"/>
+          </a:ln>
+          <a:effectLst/>
+        </p:spPr>
+        <p:style>
+          <a:lnRef idx="1">
+            <a:schemeClr val="accent2"/>
+          </a:lnRef>
+          <a:fillRef idx="2">
+            <a:schemeClr val="accent2"/>
+          </a:fillRef>
+          <a:effectRef idx="1">
+            <a:schemeClr val="accent2"/>
+          </a:effectRef>
+          <a:fontRef idx="minor">
+            <a:schemeClr val="dk1"/>
+          </a:fontRef>
+        </p:style>
+      </p:cxnSp>
+      <p:cxnSp>
+        <p:nvCxnSpPr>
+          <p:cNvPr id="88" name="Elbow Connector 63"/>
+          <p:cNvCxnSpPr>
+            <a:stCxn id="2" idx="3"/>
+            <a:endCxn id="16" idx="3"/>
+          </p:cNvCxnSpPr>
+          <p:nvPr/>
+        </p:nvCxnSpPr>
+        <p:spPr>
+          <a:xfrm flipV="1">
+            <a:off x="3189583" y="2286000"/>
+            <a:ext cx="2340386" cy="228600"/>
+          </a:xfrm>
+          <a:prstGeom prst="bentConnector2">
+            <a:avLst/>
+          </a:prstGeom>
+          <a:ln w="6350">
+            <a:solidFill>
+              <a:schemeClr val="accent3"/>
+            </a:solidFill>
+            <a:headEnd type="none" w="med" len="med"/>
+            <a:tailEnd type="none" w="med" len="med"/>
+          </a:ln>
+          <a:effectLst/>
+        </p:spPr>
+        <p:style>
+          <a:lnRef idx="1">
+            <a:schemeClr val="accent2"/>
+          </a:lnRef>
+          <a:fillRef idx="2">
+            <a:schemeClr val="accent2"/>
+          </a:fillRef>
+          <a:effectRef idx="1">
+            <a:schemeClr val="accent2"/>
+          </a:effectRef>
+          <a:fontRef idx="minor">
+            <a:schemeClr val="dk1"/>
+          </a:fontRef>
+        </p:style>
+      </p:cxnSp>
+      <p:cxnSp>
+        <p:nvCxnSpPr>
+          <p:cNvPr id="91" name="Elbow Connector 63"/>
+          <p:cNvCxnSpPr>
+            <a:cxnSpLocks/>
+            <a:stCxn id="16" idx="3"/>
+            <a:endCxn id="35" idx="3"/>
+          </p:cNvCxnSpPr>
+          <p:nvPr/>
+        </p:nvCxnSpPr>
+        <p:spPr>
+          <a:xfrm rot="5400000">
+            <a:off x="3558830" y="2711041"/>
+            <a:ext cx="2396180" cy="1546099"/>
+          </a:xfrm>
+          <a:prstGeom prst="bentConnector2">
+            <a:avLst/>
+          </a:prstGeom>
+          <a:ln w="6350">
+            <a:solidFill>
+              <a:schemeClr val="accent3"/>
+            </a:solidFill>
+            <a:headEnd type="none" w="med" len="med"/>
+            <a:tailEnd type="none" w="med" len="med"/>
+          </a:ln>
+          <a:effectLst/>
+        </p:spPr>
+        <p:style>
+          <a:lnRef idx="1">
+            <a:schemeClr val="accent2"/>
+          </a:lnRef>
+          <a:fillRef idx="2">
+            <a:schemeClr val="accent2"/>
+          </a:fillRef>
+          <a:effectRef idx="1">
+            <a:schemeClr val="accent2"/>
+          </a:effectRef>
+          <a:fontRef idx="minor">
+            <a:schemeClr val="dk1"/>
+          </a:fontRef>
+        </p:style>
+      </p:cxnSp>
+      <p:cxnSp>
+        <p:nvCxnSpPr>
+          <p:cNvPr id="94" name="Elbow Connector 63"/>
+          <p:cNvCxnSpPr>
+            <a:stCxn id="16" idx="3"/>
+            <a:endCxn id="38" idx="3"/>
+          </p:cNvCxnSpPr>
+          <p:nvPr/>
+        </p:nvCxnSpPr>
+        <p:spPr>
+          <a:xfrm rot="5400000">
+            <a:off x="2829013" y="3134494"/>
+            <a:ext cx="3549451" cy="1852462"/>
+          </a:xfrm>
+          <a:prstGeom prst="bentConnector2">
+            <a:avLst/>
+          </a:prstGeom>
+          <a:ln w="6350">
+            <a:solidFill>
+              <a:schemeClr val="accent3"/>
+            </a:solidFill>
+            <a:headEnd type="none" w="med" len="med"/>
+            <a:tailEnd type="none" w="med" len="med"/>
+          </a:ln>
+          <a:effectLst/>
+        </p:spPr>
+        <p:style>
+          <a:lnRef idx="1">
+            <a:schemeClr val="accent2"/>
+          </a:lnRef>
+          <a:fillRef idx="2">
+            <a:schemeClr val="accent2"/>
+          </a:fillRef>
+          <a:effectRef idx="1">
+            <a:schemeClr val="accent2"/>
+          </a:effectRef>
+          <a:fontRef idx="minor">
+            <a:schemeClr val="dk1"/>
+          </a:fontRef>
+        </p:style>
+      </p:cxnSp>
+      <p:cxnSp>
+        <p:nvCxnSpPr>
+          <p:cNvPr id="107" name="Elbow Connector 106"/>
+          <p:cNvCxnSpPr>
+            <a:stCxn id="9" idx="0"/>
+          </p:cNvCxnSpPr>
+          <p:nvPr/>
+        </p:nvCxnSpPr>
+        <p:spPr>
+          <a:xfrm rot="5400000" flipH="1" flipV="1">
+            <a:off x="4594921" y="-355061"/>
+            <a:ext cx="170724" cy="4081246"/>
+          </a:xfrm>
+          <a:prstGeom prst="bentConnector2">
+            <a:avLst/>
+          </a:prstGeom>
+          <a:ln w="19050">
+            <a:solidFill>
+              <a:srgbClr val="00B050"/>
+            </a:solidFill>
+            <a:prstDash val="solid"/>
+            <a:headEnd type="none" w="med" len="med"/>
+            <a:tailEnd type="arrow" w="med" len="med"/>
+          </a:ln>
+          <a:effectLst/>
+        </p:spPr>
+        <p:style>
+          <a:lnRef idx="1">
+            <a:schemeClr val="accent2"/>
+          </a:lnRef>
+          <a:fillRef idx="2">
+            <a:schemeClr val="accent2"/>
+          </a:fillRef>
+          <a:effectRef idx="1">
+            <a:schemeClr val="accent2"/>
+          </a:effectRef>
+          <a:fontRef idx="minor">
+            <a:schemeClr val="dk1"/>
+          </a:fontRef>
+        </p:style>
+      </p:cxnSp>
+      <p:sp>
+        <p:nvSpPr>
+          <p:cNvPr id="117" name="Rectangle 65"/>
+          <p:cNvSpPr/>
+          <p:nvPr/>
+        </p:nvSpPr>
+        <p:spPr>
+          <a:xfrm rot="16200000">
+            <a:off x="6213739" y="4560376"/>
+            <a:ext cx="1371599" cy="328045"/>
+          </a:xfrm>
+          <a:prstGeom prst="roundRect">
+            <a:avLst/>
+          </a:prstGeom>
+          <a:solidFill>
+            <a:schemeClr val="accent4">
+              <a:lumMod val="20000"/>
+              <a:lumOff val="80000"/>
+            </a:schemeClr>
+          </a:solidFill>
+          <a:ln w="19050">
+            <a:noFill/>
+          </a:ln>
+          <a:effectLst/>
+        </p:spPr>
+        <p:style>
+          <a:lnRef idx="1">
+            <a:schemeClr val="accent2"/>
+          </a:lnRef>
+          <a:fillRef idx="2">
+            <a:schemeClr val="accent2"/>
+          </a:fillRef>
+          <a:effectRef idx="1">
+            <a:schemeClr val="accent2"/>
+          </a:effectRef>
+          <a:fontRef idx="minor">
+            <a:schemeClr val="dk1"/>
+          </a:fontRef>
+        </p:style>
+        <p:txBody>
+          <a:bodyPr rtlCol="0" anchor="ctr"/>
+          <a:lstStyle/>
+          <a:p>
+            <a:pPr algn="ctr"/>
+            <a:r>
+              <a:rPr lang="en-US" sz="1100" b="1" dirty="0">
+                <a:solidFill>
+                  <a:schemeClr val="bg1"/>
+                </a:solidFill>
+              </a:rPr>
+              <a:t>Model</a:t>
+            </a:r>
+            <a:endParaRPr lang="en-SG" sz="1100" b="1" dirty="0">
+              <a:solidFill>
+                <a:schemeClr val="bg1"/>
+              </a:solidFill>
+            </a:endParaRPr>
+          </a:p>
+        </p:txBody>
+      </p:sp>
+      <p:sp>
+        <p:nvSpPr>
+          <p:cNvPr id="119" name="Rectangle 62"/>
+          <p:cNvSpPr/>
+          <p:nvPr/>
+        </p:nvSpPr>
+        <p:spPr>
+          <a:xfrm rot="16200000">
+            <a:off x="956202" y="2861202"/>
+            <a:ext cx="1093635" cy="346760"/>
+          </a:xfrm>
+          <a:prstGeom prst="rect">
+            <a:avLst/>
+          </a:prstGeom>
+          <a:solidFill>
+            <a:srgbClr val="00B050"/>
+          </a:solidFill>
+          <a:ln w="19050">
+            <a:solidFill>
+              <a:srgbClr val="00B050"/>
+            </a:solidFill>
+          </a:ln>
+          <a:effectLst/>
+        </p:spPr>
+        <p:style>
+          <a:lnRef idx="1">
+            <a:schemeClr val="accent2"/>
+          </a:lnRef>
+          <a:fillRef idx="2">
+            <a:schemeClr val="accent2"/>
+          </a:fillRef>
+          <a:effectRef idx="1">
+            <a:schemeClr val="accent2"/>
+          </a:effectRef>
+          <a:fontRef idx="minor">
+            <a:schemeClr val="dk1"/>
+          </a:fontRef>
+        </p:style>
+        <p:txBody>
+          <a:bodyPr rtlCol="0" anchor="ctr"/>
+          <a:lstStyle/>
+          <a:p>
+            <a:pPr algn="ctr"/>
+            <a:r>
+              <a:rPr lang="en-US" sz="1050" dirty="0">
+                <a:solidFill>
+                  <a:schemeClr val="bg1"/>
+                </a:solidFill>
+              </a:rPr>
+              <a:t>&lt;&lt;interface&gt;&gt;</a:t>
+            </a:r>
+          </a:p>
+          <a:p>
+            <a:pPr algn="ctr"/>
+            <a:r>
+              <a:rPr lang="en-US" sz="1050" dirty="0" err="1">
+                <a:solidFill>
+                  <a:schemeClr val="bg1"/>
+                </a:solidFill>
+              </a:rPr>
+              <a:t>Ui</a:t>
+            </a:r>
+            <a:endParaRPr lang="en-SG" sz="1050" dirty="0">
+              <a:solidFill>
+                <a:schemeClr val="bg1"/>
+              </a:solidFill>
+            </a:endParaRPr>
+          </a:p>
+        </p:txBody>
+      </p:sp>
+      <p:sp>
+        <p:nvSpPr>
+          <p:cNvPr id="120" name="Isosceles Triangle 102"/>
+          <p:cNvSpPr/>
+          <p:nvPr/>
+        </p:nvSpPr>
+        <p:spPr>
+          <a:xfrm flipV="1">
+            <a:off x="1367767" y="2286001"/>
+            <a:ext cx="270504" cy="175523"/>
+          </a:xfrm>
+          <a:prstGeom prst="triangle">
+            <a:avLst/>
+          </a:prstGeom>
+          <a:ln w="19050">
+            <a:solidFill>
+              <a:srgbClr val="00B050"/>
+            </a:solidFill>
+          </a:ln>
+          <a:effectLst/>
+        </p:spPr>
+        <p:style>
+          <a:lnRef idx="1">
+            <a:schemeClr val="accent3"/>
+          </a:lnRef>
+          <a:fillRef idx="2">
+            <a:schemeClr val="accent3"/>
+          </a:fillRef>
+          <a:effectRef idx="1">
+            <a:schemeClr val="accent3"/>
+          </a:effectRef>
+          <a:fontRef idx="minor">
+            <a:schemeClr val="dk1"/>
+          </a:fontRef>
+        </p:style>
+        <p:txBody>
+          <a:bodyPr rtlCol="0" anchor="ctr"/>
+          <a:lstStyle/>
+          <a:p>
+            <a:pPr algn="ctr"/>
+            <a:endParaRPr lang="en-SG" sz="1050" b="1">
+              <a:solidFill>
+                <a:srgbClr val="92D050"/>
+              </a:solidFill>
+            </a:endParaRPr>
+          </a:p>
+        </p:txBody>
+      </p:sp>
+      <p:cxnSp>
+        <p:nvCxnSpPr>
+          <p:cNvPr id="121" name="Elbow Connector 63"/>
+          <p:cNvCxnSpPr>
+            <a:stCxn id="9" idx="1"/>
+            <a:endCxn id="120" idx="3"/>
+          </p:cNvCxnSpPr>
+          <p:nvPr/>
+        </p:nvCxnSpPr>
+        <p:spPr>
+          <a:xfrm rot="10800000" flipV="1">
+            <a:off x="1503020" y="1944303"/>
+            <a:ext cx="589823" cy="341697"/>
+          </a:xfrm>
+          <a:prstGeom prst="bentConnector2">
+            <a:avLst/>
+          </a:prstGeom>
+          <a:ln w="19050">
+            <a:solidFill>
+              <a:srgbClr val="00B050"/>
+            </a:solidFill>
+            <a:prstDash val="sysDot"/>
+            <a:headEnd type="none" w="med" len="med"/>
+            <a:tailEnd type="none" w="med" len="med"/>
+          </a:ln>
+          <a:effectLst/>
+        </p:spPr>
+        <p:style>
+          <a:lnRef idx="1">
+            <a:schemeClr val="accent2"/>
+          </a:lnRef>
+          <a:fillRef idx="2">
+            <a:schemeClr val="accent2"/>
+          </a:fillRef>
+          <a:effectRef idx="1">
+            <a:schemeClr val="accent2"/>
+          </a:effectRef>
+          <a:fontRef idx="minor">
+            <a:schemeClr val="dk1"/>
+          </a:fontRef>
+        </p:style>
+      </p:cxnSp>
+      <p:cxnSp>
+        <p:nvCxnSpPr>
+          <p:cNvPr id="131" name="Elbow Connector 130"/>
+          <p:cNvCxnSpPr>
+            <a:stCxn id="39" idx="2"/>
+            <a:endCxn id="43" idx="1"/>
+          </p:cNvCxnSpPr>
+          <p:nvPr/>
+        </p:nvCxnSpPr>
+        <p:spPr>
+          <a:xfrm rot="16200000" flipH="1">
+            <a:off x="2226110" y="3058040"/>
+            <a:ext cx="554704" cy="174673"/>
+          </a:xfrm>
+          <a:prstGeom prst="bentConnector2">
+            <a:avLst/>
+          </a:prstGeom>
+          <a:ln w="19050">
+            <a:solidFill>
+              <a:schemeClr val="accent3"/>
+            </a:solidFill>
+            <a:headEnd type="none" w="med" len="med"/>
+            <a:tailEnd type="arrow" w="med" len="med"/>
+          </a:ln>
+          <a:effectLst/>
+        </p:spPr>
+        <p:style>
+          <a:lnRef idx="1">
+            <a:schemeClr val="accent2"/>
+          </a:lnRef>
+          <a:fillRef idx="2">
+            <a:schemeClr val="accent2"/>
+          </a:fillRef>
+          <a:effectRef idx="1">
+            <a:schemeClr val="accent2"/>
+          </a:effectRef>
+          <a:fontRef idx="minor">
+            <a:schemeClr val="dk1"/>
+          </a:fontRef>
+        </p:style>
+      </p:cxnSp>
+      <p:cxnSp>
+        <p:nvCxnSpPr>
+          <p:cNvPr id="132" name="Elbow Connector 63"/>
+          <p:cNvCxnSpPr>
+            <a:stCxn id="16" idx="3"/>
+            <a:endCxn id="3" idx="3"/>
+          </p:cNvCxnSpPr>
+          <p:nvPr/>
+        </p:nvCxnSpPr>
+        <p:spPr>
+          <a:xfrm rot="5400000">
+            <a:off x="4205956" y="1766207"/>
+            <a:ext cx="804221" cy="1843806"/>
+          </a:xfrm>
+          <a:prstGeom prst="bentConnector2">
+            <a:avLst/>
+          </a:prstGeom>
+          <a:ln w="6350">
+            <a:solidFill>
+              <a:schemeClr val="accent3"/>
+            </a:solidFill>
+            <a:headEnd type="none" w="med" len="med"/>
+            <a:tailEnd type="none" w="med" len="med"/>
+          </a:ln>
+          <a:effectLst/>
+        </p:spPr>
+        <p:style>
+          <a:lnRef idx="1">
+            <a:schemeClr val="accent2"/>
+          </a:lnRef>
+          <a:fillRef idx="2">
+            <a:schemeClr val="accent2"/>
+          </a:fillRef>
+          <a:effectRef idx="1">
+            <a:schemeClr val="accent2"/>
+          </a:effectRef>
+          <a:fontRef idx="minor">
+            <a:schemeClr val="dk1"/>
+          </a:fontRef>
+        </p:style>
+      </p:cxnSp>
+      <p:cxnSp>
+        <p:nvCxnSpPr>
+          <p:cNvPr id="137" name="Elbow Connector 136"/>
+          <p:cNvCxnSpPr>
+            <a:stCxn id="36" idx="2"/>
+            <a:endCxn id="37" idx="1"/>
+          </p:cNvCxnSpPr>
+          <p:nvPr/>
+        </p:nvCxnSpPr>
+        <p:spPr>
+          <a:xfrm rot="16200000" flipH="1">
+            <a:off x="3430123" y="3938021"/>
+            <a:ext cx="118421" cy="699979"/>
+          </a:xfrm>
+          <a:prstGeom prst="bentConnector2">
+            <a:avLst/>
+          </a:prstGeom>
+          <a:ln w="19050">
+            <a:solidFill>
+              <a:schemeClr val="accent3"/>
+            </a:solidFill>
+            <a:headEnd type="none" w="med" len="med"/>
+            <a:tailEnd type="arrow" w="med" len="med"/>
+          </a:ln>
+          <a:effectLst/>
+        </p:spPr>
+        <p:style>
+          <a:lnRef idx="1">
+            <a:schemeClr val="accent2"/>
+          </a:lnRef>
+          <a:fillRef idx="2">
+            <a:schemeClr val="accent2"/>
+          </a:fillRef>
+          <a:effectRef idx="1">
+            <a:schemeClr val="accent2"/>
+          </a:effectRef>
+          <a:fontRef idx="minor">
+            <a:schemeClr val="dk1"/>
+          </a:fontRef>
+        </p:style>
+      </p:cxnSp>
+      <p:cxnSp>
+        <p:nvCxnSpPr>
+          <p:cNvPr id="140" name="Elbow Connector 63"/>
+          <p:cNvCxnSpPr>
+            <a:stCxn id="16" idx="3"/>
+            <a:endCxn id="36" idx="3"/>
+          </p:cNvCxnSpPr>
+          <p:nvPr/>
+        </p:nvCxnSpPr>
+        <p:spPr>
+          <a:xfrm rot="5400000">
+            <a:off x="3695875" y="2276286"/>
+            <a:ext cx="1824381" cy="1843808"/>
+          </a:xfrm>
+          <a:prstGeom prst="bentConnector2">
+            <a:avLst/>
+          </a:prstGeom>
+          <a:ln w="6350">
+            <a:solidFill>
+              <a:schemeClr val="accent3"/>
+            </a:solidFill>
+            <a:headEnd type="none" w="med" len="med"/>
+            <a:tailEnd type="none" w="med" len="med"/>
+          </a:ln>
+          <a:effectLst/>
+        </p:spPr>
+        <p:style>
+          <a:lnRef idx="1">
+            <a:schemeClr val="accent2"/>
+          </a:lnRef>
+          <a:fillRef idx="2">
+            <a:schemeClr val="accent2"/>
+          </a:fillRef>
+          <a:effectRef idx="1">
+            <a:schemeClr val="accent2"/>
+          </a:effectRef>
+          <a:fontRef idx="minor">
+            <a:schemeClr val="dk1"/>
+          </a:fontRef>
+        </p:style>
+      </p:cxnSp>
+      <p:sp>
+        <p:nvSpPr>
+          <p:cNvPr id="143" name="Rectangle 142"/>
+          <p:cNvSpPr/>
+          <p:nvPr/>
+        </p:nvSpPr>
+        <p:spPr>
+          <a:xfrm>
+            <a:off x="5435896" y="2743200"/>
+            <a:ext cx="229325" cy="166560"/>
+          </a:xfrm>
+          <a:prstGeom prst="rect">
+            <a:avLst/>
+          </a:prstGeom>
+          <a:solidFill>
+            <a:schemeClr val="accent3">
+              <a:lumMod val="20000"/>
+              <a:lumOff val="80000"/>
+              <a:alpha val="80000"/>
+            </a:schemeClr>
+          </a:solidFill>
+          <a:ln>
+            <a:noFill/>
+          </a:ln>
+          <a:effectLst>
+            <a:softEdge rad="31750"/>
+          </a:effectLst>
+        </p:spPr>
+        <p:style>
+          <a:lnRef idx="2">
+            <a:schemeClr val="accent1">
+              <a:shade val="50000"/>
+            </a:schemeClr>
+          </a:lnRef>
+          <a:fillRef idx="1">
+            <a:schemeClr val="accent1"/>
+          </a:fillRef>
+          <a:effectRef idx="0">
+            <a:schemeClr val="accent1"/>
+          </a:effectRef>
+          <a:fontRef idx="minor">
+            <a:schemeClr val="lt1"/>
+          </a:fontRef>
+        </p:style>
+        <p:txBody>
+          <a:bodyPr rtlCol="0" anchor="ctr"/>
+          <a:lstStyle/>
+          <a:p>
+            <a:pPr algn="ctr"/>
+            <a:endParaRPr lang="en-SG"/>
+          </a:p>
+        </p:txBody>
+      </p:sp>
+      <p:sp>
+        <p:nvSpPr>
+          <p:cNvPr id="116" name="Freeform 115"/>
+          <p:cNvSpPr/>
+          <p:nvPr/>
+        </p:nvSpPr>
+        <p:spPr>
+          <a:xfrm>
+            <a:off x="3687515" y="2828802"/>
+            <a:ext cx="3048000" cy="203200"/>
+          </a:xfrm>
+          <a:custGeom>
+            <a:avLst/>
+            <a:gdLst>
+              <a:gd name="connsiteX0" fmla="*/ 0 w 3048000"/>
+              <a:gd name="connsiteY0" fmla="*/ 203200 h 203200"/>
+              <a:gd name="connsiteX1" fmla="*/ 221673 w 3048000"/>
+              <a:gd name="connsiteY1" fmla="*/ 0 h 203200"/>
+              <a:gd name="connsiteX2" fmla="*/ 3048000 w 3048000"/>
+              <a:gd name="connsiteY2" fmla="*/ 0 h 203200"/>
+            </a:gdLst>
+            <a:ahLst/>
+            <a:cxnLst>
+              <a:cxn ang="0">
+                <a:pos x="connsiteX0" y="connsiteY0"/>
+              </a:cxn>
+              <a:cxn ang="0">
+                <a:pos x="connsiteX1" y="connsiteY1"/>
+              </a:cxn>
+              <a:cxn ang="0">
+                <a:pos x="connsiteX2" y="connsiteY2"/>
+              </a:cxn>
+            </a:cxnLst>
+            <a:rect l="l" t="t" r="r" b="b"/>
+            <a:pathLst>
+              <a:path w="3048000" h="203200">
+                <a:moveTo>
+                  <a:pt x="0" y="203200"/>
+                </a:moveTo>
+                <a:lnTo>
+                  <a:pt x="221673" y="0"/>
+                </a:lnTo>
+                <a:lnTo>
+                  <a:pt x="3048000" y="0"/>
+                </a:lnTo>
+              </a:path>
+            </a:pathLst>
+          </a:custGeom>
+          <a:noFill/>
+          <a:ln w="19050">
+            <a:solidFill>
+              <a:schemeClr val="accent3"/>
+            </a:solidFill>
+            <a:prstDash val="solid"/>
+            <a:headEnd type="none" w="med" len="med"/>
+            <a:tailEnd type="arrow" w="med" len="med"/>
+          </a:ln>
+          <a:effectLst/>
+        </p:spPr>
+        <p:style>
+          <a:lnRef idx="1">
+            <a:schemeClr val="accent2"/>
+          </a:lnRef>
+          <a:fillRef idx="2">
+            <a:schemeClr val="accent2"/>
+          </a:fillRef>
+          <a:effectRef idx="1">
+            <a:schemeClr val="accent2"/>
+          </a:effectRef>
+          <a:fontRef idx="minor">
+            <a:schemeClr val="dk1"/>
+          </a:fontRef>
+        </p:style>
+        <p:txBody>
+          <a:bodyPr rtlCol="0" anchor="ctr"/>
+          <a:lstStyle/>
+          <a:p>
+            <a:pPr algn="ctr"/>
+            <a:endParaRPr lang="en-SG"/>
+          </a:p>
+        </p:txBody>
+      </p:sp>
+      <p:sp>
+        <p:nvSpPr>
+          <p:cNvPr id="144" name="Rectangle 143"/>
+          <p:cNvSpPr/>
+          <p:nvPr/>
+        </p:nvSpPr>
+        <p:spPr>
+          <a:xfrm>
+            <a:off x="5431573" y="4488138"/>
+            <a:ext cx="229325" cy="160062"/>
+          </a:xfrm>
+          <a:prstGeom prst="rect">
+            <a:avLst/>
+          </a:prstGeom>
+          <a:solidFill>
+            <a:schemeClr val="accent3">
+              <a:lumMod val="20000"/>
+              <a:lumOff val="80000"/>
+              <a:alpha val="80000"/>
+            </a:schemeClr>
+          </a:solidFill>
+          <a:ln>
+            <a:noFill/>
+          </a:ln>
+          <a:effectLst>
+            <a:softEdge rad="31750"/>
+          </a:effectLst>
+        </p:spPr>
+        <p:style>
+          <a:lnRef idx="2">
+            <a:schemeClr val="accent1">
+              <a:shade val="50000"/>
+            </a:schemeClr>
+          </a:lnRef>
+          <a:fillRef idx="1">
+            <a:schemeClr val="accent1"/>
+          </a:fillRef>
+          <a:effectRef idx="0">
+            <a:schemeClr val="accent1"/>
+          </a:effectRef>
+          <a:fontRef idx="minor">
+            <a:schemeClr val="lt1"/>
+          </a:fontRef>
+        </p:style>
+        <p:txBody>
+          <a:bodyPr rtlCol="0" anchor="ctr"/>
+          <a:lstStyle/>
+          <a:p>
+            <a:pPr algn="ctr"/>
+            <a:endParaRPr lang="en-SG"/>
+          </a:p>
+        </p:txBody>
+      </p:sp>
+      <p:sp>
+        <p:nvSpPr>
+          <p:cNvPr id="118" name="Freeform 117"/>
+          <p:cNvSpPr/>
+          <p:nvPr/>
+        </p:nvSpPr>
+        <p:spPr>
+          <a:xfrm flipV="1">
+            <a:off x="4114799" y="4472708"/>
+            <a:ext cx="2642195" cy="101600"/>
+          </a:xfrm>
+          <a:custGeom>
+            <a:avLst/>
+            <a:gdLst>
+              <a:gd name="connsiteX0" fmla="*/ 0 w 3048000"/>
+              <a:gd name="connsiteY0" fmla="*/ 203200 h 203200"/>
+              <a:gd name="connsiteX1" fmla="*/ 221673 w 3048000"/>
+              <a:gd name="connsiteY1" fmla="*/ 0 h 203200"/>
+              <a:gd name="connsiteX2" fmla="*/ 3048000 w 3048000"/>
+              <a:gd name="connsiteY2" fmla="*/ 0 h 203200"/>
+            </a:gdLst>
+            <a:ahLst/>
+            <a:cxnLst>
+              <a:cxn ang="0">
+                <a:pos x="connsiteX0" y="connsiteY0"/>
+              </a:cxn>
+              <a:cxn ang="0">
+                <a:pos x="connsiteX1" y="connsiteY1"/>
+              </a:cxn>
+              <a:cxn ang="0">
+                <a:pos x="connsiteX2" y="connsiteY2"/>
+              </a:cxn>
+            </a:cxnLst>
+            <a:rect l="l" t="t" r="r" b="b"/>
+            <a:pathLst>
+              <a:path w="3048000" h="203200">
+                <a:moveTo>
+                  <a:pt x="0" y="203200"/>
+                </a:moveTo>
+                <a:lnTo>
+                  <a:pt x="221673" y="0"/>
+                </a:lnTo>
+                <a:lnTo>
+                  <a:pt x="3048000" y="0"/>
+                </a:lnTo>
+              </a:path>
+            </a:pathLst>
+          </a:custGeom>
+          <a:noFill/>
+          <a:ln w="19050">
+            <a:solidFill>
+              <a:schemeClr val="accent3"/>
+            </a:solidFill>
+            <a:prstDash val="sysDot"/>
+            <a:headEnd type="none" w="med" len="med"/>
+            <a:tailEnd type="arrow" w="med" len="med"/>
+          </a:ln>
+          <a:effectLst/>
+        </p:spPr>
+        <p:style>
+          <a:lnRef idx="1">
+            <a:schemeClr val="accent2"/>
+          </a:lnRef>
+          <a:fillRef idx="2">
+            <a:schemeClr val="accent2"/>
+          </a:fillRef>
+          <a:effectRef idx="1">
+            <a:schemeClr val="accent2"/>
+          </a:effectRef>
+          <a:fontRef idx="minor">
+            <a:schemeClr val="dk1"/>
+          </a:fontRef>
+        </p:style>
+        <p:txBody>
+          <a:bodyPr rtlCol="0" anchor="ctr"/>
+          <a:lstStyle/>
+          <a:p>
+            <a:pPr algn="ctr"/>
+            <a:endParaRPr lang="en-SG"/>
+          </a:p>
+        </p:txBody>
+      </p:sp>
+      <p:sp>
+        <p:nvSpPr>
+          <p:cNvPr id="45" name="Rectangle 11">
+            <a:extLst>
+              <a:ext uri="{FF2B5EF4-FFF2-40B4-BE49-F238E27FC236}">
+                <a16:creationId xmlns:a16="http://schemas.microsoft.com/office/drawing/2014/main" id="{EC3E70A5-D548-4846-8B87-AA082C1E185A}"/>
+              </a:ext>
+            </a:extLst>
+          </p:cNvPr>
+          <p:cNvSpPr/>
+          <p:nvPr/>
+        </p:nvSpPr>
+        <p:spPr>
+          <a:xfrm>
+            <a:off x="2589447" y="5343037"/>
+            <a:ext cx="1093635" cy="236841"/>
+          </a:xfrm>
+          <a:prstGeom prst="rect">
+            <a:avLst/>
+          </a:prstGeom>
+          <a:ln w="19050">
+            <a:solidFill>
+              <a:schemeClr val="accent3"/>
+            </a:solidFill>
+          </a:ln>
+          <a:effectLst/>
+        </p:spPr>
+        <p:style>
+          <a:lnRef idx="1">
+            <a:schemeClr val="accent3"/>
+          </a:lnRef>
+          <a:fillRef idx="2">
+            <a:schemeClr val="accent3"/>
+          </a:fillRef>
+          <a:effectRef idx="1">
+            <a:schemeClr val="accent3"/>
+          </a:effectRef>
+          <a:fontRef idx="minor">
+            <a:schemeClr val="dk1"/>
+          </a:fontRef>
+        </p:style>
+        <p:txBody>
+          <a:bodyPr rtlCol="0" anchor="ctr"/>
+          <a:lstStyle/>
+          <a:p>
+            <a:pPr algn="ctr"/>
+            <a:r>
+              <a:rPr lang="en-US" sz="1050" b="1" dirty="0" err="1">
+                <a:solidFill>
+                  <a:schemeClr val="accent3">
+                    <a:lumMod val="75000"/>
+                  </a:schemeClr>
+                </a:solidFill>
+              </a:rPr>
+              <a:t>StatusBarFooter</a:t>
+            </a:r>
+            <a:endParaRPr lang="en-SG" sz="1050" b="1" dirty="0">
+              <a:solidFill>
+                <a:schemeClr val="accent3">
+                  <a:lumMod val="75000"/>
+                </a:schemeClr>
+              </a:solidFill>
+            </a:endParaRPr>
+          </a:p>
+        </p:txBody>
+      </p:sp>
+      <p:cxnSp>
+        <p:nvCxnSpPr>
+          <p:cNvPr id="46" name="Elbow Connector 63">
+            <a:extLst>
+              <a:ext uri="{FF2B5EF4-FFF2-40B4-BE49-F238E27FC236}">
+                <a16:creationId xmlns:a16="http://schemas.microsoft.com/office/drawing/2014/main" id="{8D62BBE7-D9F2-4C3D-82EB-5436E8F8251C}"/>
+              </a:ext>
+            </a:extLst>
+          </p:cNvPr>
+          <p:cNvCxnSpPr>
+            <a:endCxn id="45" idx="1"/>
+          </p:cNvCxnSpPr>
+          <p:nvPr/>
+        </p:nvCxnSpPr>
+        <p:spPr>
+          <a:xfrm rot="16200000" flipH="1">
+            <a:off x="1594169" y="4466179"/>
+            <a:ext cx="1814155" cy="176401"/>
+          </a:xfrm>
+          <a:prstGeom prst="bentConnector2">
+            <a:avLst/>
+          </a:prstGeom>
+          <a:ln w="19050">
+            <a:solidFill>
+              <a:schemeClr val="accent3"/>
+            </a:solidFill>
+            <a:headEnd type="none" w="med" len="med"/>
+            <a:tailEnd type="arrow" w="med" len="med"/>
+          </a:ln>
+          <a:effectLst/>
+        </p:spPr>
+        <p:style>
+          <a:lnRef idx="1">
+            <a:schemeClr val="accent2"/>
+          </a:lnRef>
+          <a:fillRef idx="2">
+            <a:schemeClr val="accent2"/>
+          </a:fillRef>
+          <a:effectRef idx="1">
+            <a:schemeClr val="accent2"/>
+          </a:effectRef>
+          <a:fontRef idx="minor">
+            <a:schemeClr val="dk1"/>
+          </a:fontRef>
+        </p:style>
+      </p:cxnSp>
+      <p:sp>
+        <p:nvSpPr>
+          <p:cNvPr id="48" name="Rectangle 11">
+            <a:extLst>
+              <a:ext uri="{FF2B5EF4-FFF2-40B4-BE49-F238E27FC236}">
+                <a16:creationId xmlns:a16="http://schemas.microsoft.com/office/drawing/2014/main" id="{CF627871-DAC3-40CC-9B46-244139E14426}"/>
+              </a:ext>
+            </a:extLst>
+          </p:cNvPr>
+          <p:cNvSpPr/>
+          <p:nvPr/>
+        </p:nvSpPr>
+        <p:spPr>
+          <a:xfrm>
+            <a:off x="2589446" y="4946501"/>
+            <a:ext cx="1093635" cy="236841"/>
+          </a:xfrm>
+          <a:prstGeom prst="rect">
+            <a:avLst/>
+          </a:prstGeom>
+          <a:ln w="19050">
+            <a:solidFill>
+              <a:schemeClr val="accent3"/>
+            </a:solidFill>
+          </a:ln>
+          <a:effectLst/>
+        </p:spPr>
+        <p:style>
+          <a:lnRef idx="1">
+            <a:schemeClr val="accent3"/>
+          </a:lnRef>
+          <a:fillRef idx="2">
+            <a:schemeClr val="accent3"/>
+          </a:fillRef>
+          <a:effectRef idx="1">
+            <a:schemeClr val="accent3"/>
+          </a:effectRef>
+          <a:fontRef idx="minor">
+            <a:schemeClr val="dk1"/>
+          </a:fontRef>
+        </p:style>
+        <p:txBody>
+          <a:bodyPr rtlCol="0" anchor="ctr"/>
+          <a:lstStyle/>
+          <a:p>
+            <a:pPr algn="ctr"/>
+            <a:r>
+              <a:rPr lang="en-US" sz="1050" b="1" dirty="0" err="1">
+                <a:solidFill>
+                  <a:schemeClr val="accent3">
+                    <a:lumMod val="75000"/>
+                  </a:schemeClr>
+                </a:solidFill>
+              </a:rPr>
+              <a:t>TemplatePanel</a:t>
+            </a:r>
+            <a:endParaRPr lang="en-SG" sz="1050" b="1" dirty="0">
+              <a:solidFill>
+                <a:schemeClr val="accent3">
+                  <a:lumMod val="75000"/>
+                </a:schemeClr>
+              </a:solidFill>
+            </a:endParaRPr>
+          </a:p>
+        </p:txBody>
+      </p:sp>
+      <p:cxnSp>
+        <p:nvCxnSpPr>
+          <p:cNvPr id="49" name="Elbow Connector 63">
+            <a:extLst>
+              <a:ext uri="{FF2B5EF4-FFF2-40B4-BE49-F238E27FC236}">
+                <a16:creationId xmlns:a16="http://schemas.microsoft.com/office/drawing/2014/main" id="{338AB5F1-CF6C-41EF-BE86-7C1C02F6D5DF}"/>
+              </a:ext>
+            </a:extLst>
+          </p:cNvPr>
+          <p:cNvCxnSpPr>
+            <a:cxnSpLocks/>
+            <a:stCxn id="39" idx="2"/>
+            <a:endCxn id="48" idx="1"/>
+          </p:cNvCxnSpPr>
+          <p:nvPr/>
+        </p:nvCxnSpPr>
+        <p:spPr>
+          <a:xfrm rot="16200000" flipH="1">
+            <a:off x="1404338" y="3879813"/>
+            <a:ext cx="2196897" cy="173320"/>
+          </a:xfrm>
+          <a:prstGeom prst="bentConnector2">
+            <a:avLst/>
+          </a:prstGeom>
+          <a:ln w="19050">
+            <a:solidFill>
+              <a:schemeClr val="accent3"/>
+            </a:solidFill>
+            <a:headEnd type="none" w="med" len="med"/>
+            <a:tailEnd type="arrow" w="med" len="med"/>
+          </a:ln>
+          <a:effectLst/>
+        </p:spPr>
+        <p:style>
+          <a:lnRef idx="1">
+            <a:schemeClr val="accent2"/>
+          </a:lnRef>
+          <a:fillRef idx="2">
+            <a:schemeClr val="accent2"/>
+          </a:fillRef>
+          <a:effectRef idx="1">
+            <a:schemeClr val="accent2"/>
+          </a:effectRef>
+          <a:fontRef idx="minor">
+            <a:schemeClr val="dk1"/>
+          </a:fontRef>
+        </p:style>
+      </p:cxnSp>
+    </p:spTree>
+    <p:extLst>
+      <p:ext uri="{BB962C8B-B14F-4D97-AF65-F5344CB8AC3E}">
+        <p14:creationId xmlns:p14="http://schemas.microsoft.com/office/powerpoint/2010/main" val="982353278"/>
       </p:ext>
     </p:extLst>
   </p:cSld>
